--- a/Gw2AppPresentatie.pptx
+++ b/Gw2AppPresentatie.pptx
@@ -776,7 +776,7 @@
           <a:p>
             <a:fld id="{B7989FD5-C10C-457E-8A93-8116C88C7BFF}" type="datetimeFigureOut">
               <a:rPr lang="nl-BE" smtClean="0"/>
-              <a:t>28/05/2015</a:t>
+              <a:t>29/05/2015</a:t>
             </a:fld>
             <a:endParaRPr lang="nl-BE"/>
           </a:p>
@@ -959,7 +959,7 @@
           <a:p>
             <a:fld id="{B7989FD5-C10C-457E-8A93-8116C88C7BFF}" type="datetimeFigureOut">
               <a:rPr lang="nl-BE" smtClean="0"/>
-              <a:t>28/05/2015</a:t>
+              <a:t>29/05/2015</a:t>
             </a:fld>
             <a:endParaRPr lang="nl-BE"/>
           </a:p>
@@ -1134,7 +1134,7 @@
           <a:p>
             <a:fld id="{B7989FD5-C10C-457E-8A93-8116C88C7BFF}" type="datetimeFigureOut">
               <a:rPr lang="nl-BE" smtClean="0"/>
-              <a:t>28/05/2015</a:t>
+              <a:t>29/05/2015</a:t>
             </a:fld>
             <a:endParaRPr lang="nl-BE"/>
           </a:p>
@@ -1299,7 +1299,7 @@
           <a:p>
             <a:fld id="{B7989FD5-C10C-457E-8A93-8116C88C7BFF}" type="datetimeFigureOut">
               <a:rPr lang="nl-BE" smtClean="0"/>
-              <a:t>28/05/2015</a:t>
+              <a:t>29/05/2015</a:t>
             </a:fld>
             <a:endParaRPr lang="nl-BE"/>
           </a:p>
@@ -1520,7 +1520,7 @@
           <a:p>
             <a:fld id="{B7989FD5-C10C-457E-8A93-8116C88C7BFF}" type="datetimeFigureOut">
               <a:rPr lang="nl-BE" smtClean="0"/>
-              <a:t>28/05/2015</a:t>
+              <a:t>29/05/2015</a:t>
             </a:fld>
             <a:endParaRPr lang="nl-BE"/>
           </a:p>
@@ -1779,7 +1779,7 @@
           <a:p>
             <a:fld id="{B7989FD5-C10C-457E-8A93-8116C88C7BFF}" type="datetimeFigureOut">
               <a:rPr lang="nl-BE" smtClean="0"/>
-              <a:t>28/05/2015</a:t>
+              <a:t>29/05/2015</a:t>
             </a:fld>
             <a:endParaRPr lang="nl-BE"/>
           </a:p>
@@ -2183,7 +2183,7 @@
           <a:p>
             <a:fld id="{B7989FD5-C10C-457E-8A93-8116C88C7BFF}" type="datetimeFigureOut">
               <a:rPr lang="nl-BE" smtClean="0"/>
-              <a:t>28/05/2015</a:t>
+              <a:t>29/05/2015</a:t>
             </a:fld>
             <a:endParaRPr lang="nl-BE"/>
           </a:p>
@@ -2314,7 +2314,7 @@
           <a:p>
             <a:fld id="{B7989FD5-C10C-457E-8A93-8116C88C7BFF}" type="datetimeFigureOut">
               <a:rPr lang="nl-BE" smtClean="0"/>
-              <a:t>28/05/2015</a:t>
+              <a:t>29/05/2015</a:t>
             </a:fld>
             <a:endParaRPr lang="nl-BE"/>
           </a:p>
@@ -2414,7 +2414,7 @@
           <a:p>
             <a:fld id="{B7989FD5-C10C-457E-8A93-8116C88C7BFF}" type="datetimeFigureOut">
               <a:rPr lang="nl-BE" smtClean="0"/>
-              <a:t>28/05/2015</a:t>
+              <a:t>29/05/2015</a:t>
             </a:fld>
             <a:endParaRPr lang="nl-BE"/>
           </a:p>
@@ -2659,7 +2659,7 @@
           <a:p>
             <a:fld id="{B7989FD5-C10C-457E-8A93-8116C88C7BFF}" type="datetimeFigureOut">
               <a:rPr lang="nl-BE" smtClean="0"/>
-              <a:t>28/05/2015</a:t>
+              <a:t>29/05/2015</a:t>
             </a:fld>
             <a:endParaRPr lang="nl-BE"/>
           </a:p>
@@ -2903,7 +2903,7 @@
           <a:p>
             <a:fld id="{B7989FD5-C10C-457E-8A93-8116C88C7BFF}" type="datetimeFigureOut">
               <a:rPr lang="nl-BE" smtClean="0"/>
-              <a:t>28/05/2015</a:t>
+              <a:t>29/05/2015</a:t>
             </a:fld>
             <a:endParaRPr lang="nl-BE"/>
           </a:p>
@@ -3727,7 +3727,7 @@
           <a:p>
             <a:fld id="{B7989FD5-C10C-457E-8A93-8116C88C7BFF}" type="datetimeFigureOut">
               <a:rPr lang="nl-BE" smtClean="0"/>
-              <a:t>28/05/2015</a:t>
+              <a:t>29/05/2015</a:t>
             </a:fld>
             <a:endParaRPr lang="nl-BE"/>
           </a:p>
@@ -5300,11 +5300,7 @@
             </a:pPr>
             <a:r>
               <a:rPr lang="nl-BE" dirty="0" err="1" smtClean="0"/>
-              <a:t>X</a:t>
-            </a:r>
-            <a:r>
-              <a:rPr lang="nl-BE" dirty="0" err="1" smtClean="0"/>
-              <a:t>ml</a:t>
+              <a:t>Xml</a:t>
             </a:r>
             <a:r>
               <a:rPr lang="nl-BE" dirty="0" smtClean="0"/>
@@ -5327,8 +5323,9 @@
             </a:pPr>
             <a:r>
               <a:rPr lang="nl-BE" dirty="0" smtClean="0"/>
-              <a:t>Uitlezen</a:t>
-            </a:r>
+              <a:t>Inlezen</a:t>
+            </a:r>
+            <a:endParaRPr lang="nl-BE" dirty="0" smtClean="0"/>
           </a:p>
           <a:p>
             <a:pPr>
@@ -5864,11 +5861,7 @@
             </a:r>
             <a:r>
               <a:rPr lang="nl-BE" dirty="0" smtClean="0"/>
-              <a:t>: </a:t>
-            </a:r>
-            <a:r>
-              <a:rPr lang="nl-BE" dirty="0" smtClean="0"/>
-              <a:t>naam</a:t>
+              <a:t>: naam</a:t>
             </a:r>
             <a:r>
               <a:rPr lang="nl-BE" dirty="0" smtClean="0">
@@ -6177,7 +6170,6 @@
               <a:rPr lang="nl-BE" dirty="0" smtClean="0"/>
               <a:t> storage</a:t>
             </a:r>
-            <a:endParaRPr lang="nl-BE" dirty="0" smtClean="0"/>
           </a:p>
           <a:p>
             <a:pPr lvl="1"/>
